--- a/Hollywood_Movies.pptx
+++ b/Hollywood_Movies.pptx
@@ -272,7 +272,7 @@
       </p15:sldGuideLst>
     </p:ext>
     <p:ext uri="http://customooxmlschemas.google.com/">
-      <go:slidesCustomData xmlns:go="http://customooxmlschemas.google.com/" r:id="rId17" roundtripDataSignature="AMtx7mjrWTOEWv9huG9ZGawB329a0mUkpA=="/>
+      <go:slidesCustomData xmlns:go="http://customooxmlschemas.google.com/" r:id="rId17" roundtripDataSignature="AMtx7mgXKcIw95EV3Bb4RrrbjCuNfkT3PQ=="/>
     </p:ext>
   </p:extLst>
 </p:presentation>
@@ -968,7 +968,7 @@
   <p:cSld>
     <p:spTree>
       <p:nvGrpSpPr>
-        <p:cNvPr id="150" name="Shape 150"/>
+        <p:cNvPr id="151" name="Shape 151"/>
         <p:cNvGrpSpPr/>
         <p:nvPr/>
       </p:nvGrpSpPr>
@@ -982,7 +982,7 @@
       </p:grpSpPr>
       <p:sp>
         <p:nvSpPr>
-          <p:cNvPr id="151" name="Google Shape;151;p2:notes"/>
+          <p:cNvPr id="152" name="Google Shape;152;p2:notes"/>
           <p:cNvSpPr txBox="1"/>
           <p:nvPr>
             <p:ph idx="1" type="body"/>
@@ -1030,7 +1030,7 @@
       </p:sp>
       <p:sp>
         <p:nvSpPr>
-          <p:cNvPr id="152" name="Google Shape;152;p2:notes"/>
+          <p:cNvPr id="153" name="Google Shape;153;p2:notes"/>
           <p:cNvSpPr/>
           <p:nvPr>
             <p:ph idx="2" type="sldImg"/>
@@ -1086,7 +1086,7 @@
   <p:cSld>
     <p:spTree>
       <p:nvGrpSpPr>
-        <p:cNvPr id="166" name="Shape 166"/>
+        <p:cNvPr id="167" name="Shape 167"/>
         <p:cNvGrpSpPr/>
         <p:nvPr/>
       </p:nvGrpSpPr>
@@ -1100,7 +1100,7 @@
       </p:grpSpPr>
       <p:sp>
         <p:nvSpPr>
-          <p:cNvPr id="167" name="Google Shape;167;g13ad9c39329_0_0:notes"/>
+          <p:cNvPr id="168" name="Google Shape;168;g13ad9c39329_0_0:notes"/>
           <p:cNvSpPr txBox="1"/>
           <p:nvPr>
             <p:ph idx="1" type="body"/>
@@ -1147,7 +1147,7 @@
       </p:sp>
       <p:sp>
         <p:nvSpPr>
-          <p:cNvPr id="168" name="Google Shape;168;g13ad9c39329_0_0:notes"/>
+          <p:cNvPr id="169" name="Google Shape;169;g13ad9c39329_0_0:notes"/>
           <p:cNvSpPr/>
           <p:nvPr>
             <p:ph idx="2" type="sldImg"/>
@@ -1203,7 +1203,7 @@
   <p:cSld>
     <p:spTree>
       <p:nvGrpSpPr>
-        <p:cNvPr id="173" name="Shape 173"/>
+        <p:cNvPr id="174" name="Shape 174"/>
         <p:cNvGrpSpPr/>
         <p:nvPr/>
       </p:nvGrpSpPr>
@@ -1217,7 +1217,7 @@
       </p:grpSpPr>
       <p:sp>
         <p:nvSpPr>
-          <p:cNvPr id="174" name="Google Shape;174;p6:notes"/>
+          <p:cNvPr id="175" name="Google Shape;175;p6:notes"/>
           <p:cNvSpPr txBox="1"/>
           <p:nvPr>
             <p:ph idx="1" type="body"/>
@@ -1264,7 +1264,7 @@
       </p:sp>
       <p:sp>
         <p:nvSpPr>
-          <p:cNvPr id="175" name="Google Shape;175;p6:notes"/>
+          <p:cNvPr id="176" name="Google Shape;176;p6:notes"/>
           <p:cNvSpPr/>
           <p:nvPr>
             <p:ph idx="2" type="sldImg"/>
@@ -1320,7 +1320,7 @@
   <p:cSld>
     <p:spTree>
       <p:nvGrpSpPr>
-        <p:cNvPr id="181" name="Shape 181"/>
+        <p:cNvPr id="182" name="Shape 182"/>
         <p:cNvGrpSpPr/>
         <p:nvPr/>
       </p:nvGrpSpPr>
@@ -1334,7 +1334,7 @@
       </p:grpSpPr>
       <p:sp>
         <p:nvSpPr>
-          <p:cNvPr id="182" name="Google Shape;182;p3:notes"/>
+          <p:cNvPr id="183" name="Google Shape;183;p3:notes"/>
           <p:cNvSpPr txBox="1"/>
           <p:nvPr>
             <p:ph idx="1" type="body"/>
@@ -1373,7 +1373,7 @@
       </p:sp>
       <p:sp>
         <p:nvSpPr>
-          <p:cNvPr id="183" name="Google Shape;183;p3:notes"/>
+          <p:cNvPr id="184" name="Google Shape;184;p3:notes"/>
           <p:cNvSpPr/>
           <p:nvPr>
             <p:ph idx="2" type="sldImg"/>
@@ -1419,7 +1419,7 @@
   <p:cSld>
     <p:spTree>
       <p:nvGrpSpPr>
-        <p:cNvPr id="190" name="Shape 190"/>
+        <p:cNvPr id="191" name="Shape 191"/>
         <p:cNvGrpSpPr/>
         <p:nvPr/>
       </p:nvGrpSpPr>
@@ -1433,7 +1433,7 @@
       </p:grpSpPr>
       <p:sp>
         <p:nvSpPr>
-          <p:cNvPr id="191" name="Google Shape;191;p5:notes"/>
+          <p:cNvPr id="192" name="Google Shape;192;p5:notes"/>
           <p:cNvSpPr txBox="1"/>
           <p:nvPr>
             <p:ph idx="1" type="body"/>
@@ -1472,7 +1472,7 @@
       </p:sp>
       <p:sp>
         <p:nvSpPr>
-          <p:cNvPr id="192" name="Google Shape;192;p5:notes"/>
+          <p:cNvPr id="193" name="Google Shape;193;p5:notes"/>
           <p:cNvSpPr/>
           <p:nvPr>
             <p:ph idx="2" type="sldImg"/>
@@ -1518,7 +1518,7 @@
   <p:cSld>
     <p:spTree>
       <p:nvGrpSpPr>
-        <p:cNvPr id="197" name="Shape 197"/>
+        <p:cNvPr id="198" name="Shape 198"/>
         <p:cNvGrpSpPr/>
         <p:nvPr/>
       </p:nvGrpSpPr>
@@ -1532,7 +1532,7 @@
       </p:grpSpPr>
       <p:sp>
         <p:nvSpPr>
-          <p:cNvPr id="198" name="Google Shape;198;p8:notes"/>
+          <p:cNvPr id="199" name="Google Shape;199;p8:notes"/>
           <p:cNvSpPr txBox="1"/>
           <p:nvPr>
             <p:ph idx="1" type="body"/>
@@ -1579,7 +1579,7 @@
       </p:sp>
       <p:sp>
         <p:nvSpPr>
-          <p:cNvPr id="199" name="Google Shape;199;p8:notes"/>
+          <p:cNvPr id="200" name="Google Shape;200;p8:notes"/>
           <p:cNvSpPr/>
           <p:nvPr>
             <p:ph idx="2" type="sldImg"/>
@@ -20556,6 +20556,34 @@
           </a:p>
         </p:txBody>
       </p:sp>
+      <p:pic>
+        <p:nvPicPr>
+          <p:cNvPr id="150" name="Google Shape;150;p1"/>
+          <p:cNvPicPr preferRelativeResize="0"/>
+          <p:nvPr/>
+        </p:nvPicPr>
+        <p:blipFill>
+          <a:blip r:embed="rId3">
+            <a:alphaModFix/>
+          </a:blip>
+          <a:stretch>
+            <a:fillRect/>
+          </a:stretch>
+        </p:blipFill>
+        <p:spPr>
+          <a:xfrm>
+            <a:off x="603625" y="7022316"/>
+            <a:ext cx="6667500" cy="2381250"/>
+          </a:xfrm>
+          <a:prstGeom prst="rect">
+            <a:avLst/>
+          </a:prstGeom>
+          <a:noFill/>
+          <a:ln>
+            <a:noFill/>
+          </a:ln>
+        </p:spPr>
+      </p:pic>
     </p:spTree>
   </p:cSld>
   <p:clrMapOvr>
@@ -20569,7 +20597,7 @@
   <p:cSld>
     <p:spTree>
       <p:nvGrpSpPr>
-        <p:cNvPr id="153" name="Shape 153"/>
+        <p:cNvPr id="154" name="Shape 154"/>
         <p:cNvGrpSpPr/>
         <p:nvPr/>
       </p:nvGrpSpPr>
@@ -20583,7 +20611,7 @@
       </p:grpSpPr>
       <p:sp>
         <p:nvSpPr>
-          <p:cNvPr id="154" name="Google Shape;154;p2"/>
+          <p:cNvPr id="155" name="Google Shape;155;p2"/>
           <p:cNvSpPr txBox="1"/>
           <p:nvPr>
             <p:ph idx="1" type="body"/>
@@ -20634,7 +20662,7 @@
       </p:sp>
       <p:sp>
         <p:nvSpPr>
-          <p:cNvPr id="155" name="Google Shape;155;p2"/>
+          <p:cNvPr id="156" name="Google Shape;156;p2"/>
           <p:cNvSpPr txBox="1"/>
           <p:nvPr>
             <p:ph idx="2" type="body"/>
@@ -20716,7 +20744,7 @@
       </p:sp>
       <p:sp>
         <p:nvSpPr>
-          <p:cNvPr id="156" name="Google Shape;156;p2"/>
+          <p:cNvPr id="157" name="Google Shape;157;p2"/>
           <p:cNvSpPr txBox="1"/>
           <p:nvPr>
             <p:ph idx="3" type="body"/>
@@ -20767,7 +20795,7 @@
       </p:sp>
       <p:sp>
         <p:nvSpPr>
-          <p:cNvPr id="157" name="Google Shape;157;p2"/>
+          <p:cNvPr id="158" name="Google Shape;158;p2"/>
           <p:cNvSpPr txBox="1"/>
           <p:nvPr>
             <p:ph idx="4" type="body"/>
@@ -20818,7 +20846,7 @@
       </p:sp>
       <p:sp>
         <p:nvSpPr>
-          <p:cNvPr id="158" name="Google Shape;158;p2"/>
+          <p:cNvPr id="159" name="Google Shape;159;p2"/>
           <p:cNvSpPr txBox="1"/>
           <p:nvPr>
             <p:ph idx="6" type="body"/>
@@ -20873,7 +20901,7 @@
       </p:sp>
       <p:sp>
         <p:nvSpPr>
-          <p:cNvPr id="159" name="Google Shape;159;p2"/>
+          <p:cNvPr id="160" name="Google Shape;160;p2"/>
           <p:cNvSpPr txBox="1"/>
           <p:nvPr>
             <p:ph type="title"/>
@@ -20937,7 +20965,7 @@
       </p:sp>
       <p:sp>
         <p:nvSpPr>
-          <p:cNvPr id="160" name="Google Shape;160;p2"/>
+          <p:cNvPr id="161" name="Google Shape;161;p2"/>
           <p:cNvSpPr txBox="1"/>
           <p:nvPr>
             <p:ph idx="1" type="body"/>
@@ -20988,7 +21016,7 @@
       </p:sp>
       <p:sp>
         <p:nvSpPr>
-          <p:cNvPr id="161" name="Google Shape;161;p2"/>
+          <p:cNvPr id="162" name="Google Shape;162;p2"/>
           <p:cNvSpPr txBox="1"/>
           <p:nvPr>
             <p:ph idx="3" type="body"/>
@@ -21039,7 +21067,7 @@
       </p:sp>
       <p:sp>
         <p:nvSpPr>
-          <p:cNvPr id="162" name="Google Shape;162;p2"/>
+          <p:cNvPr id="163" name="Google Shape;163;p2"/>
           <p:cNvSpPr txBox="1"/>
           <p:nvPr>
             <p:ph idx="2" type="body"/>
@@ -21094,7 +21122,7 @@
       </p:sp>
       <p:sp>
         <p:nvSpPr>
-          <p:cNvPr id="163" name="Google Shape;163;p2"/>
+          <p:cNvPr id="164" name="Google Shape;164;p2"/>
           <p:cNvSpPr txBox="1"/>
           <p:nvPr>
             <p:ph idx="4" type="body"/>
@@ -21145,7 +21173,7 @@
       </p:sp>
       <p:sp>
         <p:nvSpPr>
-          <p:cNvPr id="164" name="Google Shape;164;p2"/>
+          <p:cNvPr id="165" name="Google Shape;165;p2"/>
           <p:cNvSpPr txBox="1"/>
           <p:nvPr>
             <p:ph idx="2" type="body"/>
@@ -21200,7 +21228,7 @@
       </p:sp>
       <p:sp>
         <p:nvSpPr>
-          <p:cNvPr id="165" name="Google Shape;165;p2"/>
+          <p:cNvPr id="166" name="Google Shape;166;p2"/>
           <p:cNvSpPr txBox="1"/>
           <p:nvPr>
             <p:ph idx="4" type="body"/>
@@ -21262,7 +21290,7 @@
   <p:cSld>
     <p:spTree>
       <p:nvGrpSpPr>
-        <p:cNvPr id="169" name="Shape 169"/>
+        <p:cNvPr id="170" name="Shape 170"/>
         <p:cNvGrpSpPr/>
         <p:nvPr/>
       </p:nvGrpSpPr>
@@ -21276,7 +21304,7 @@
       </p:grpSpPr>
       <p:sp>
         <p:nvSpPr>
-          <p:cNvPr id="170" name="Google Shape;170;g13ad9c39329_0_0"/>
+          <p:cNvPr id="171" name="Google Shape;171;g13ad9c39329_0_0"/>
           <p:cNvSpPr txBox="1"/>
           <p:nvPr>
             <p:ph idx="1" type="body"/>
@@ -21434,7 +21462,7 @@
       </p:sp>
       <p:sp>
         <p:nvSpPr>
-          <p:cNvPr id="171" name="Google Shape;171;g13ad9c39329_0_0"/>
+          <p:cNvPr id="172" name="Google Shape;172;g13ad9c39329_0_0"/>
           <p:cNvSpPr txBox="1"/>
           <p:nvPr>
             <p:ph idx="6" type="body"/>
@@ -21489,7 +21517,7 @@
       </p:sp>
       <p:sp>
         <p:nvSpPr>
-          <p:cNvPr id="172" name="Google Shape;172;g13ad9c39329_0_0"/>
+          <p:cNvPr id="173" name="Google Shape;173;g13ad9c39329_0_0"/>
           <p:cNvSpPr txBox="1"/>
           <p:nvPr>
             <p:ph type="title"/>
@@ -21556,7 +21584,7 @@
   <p:cSld>
     <p:spTree>
       <p:nvGrpSpPr>
-        <p:cNvPr id="176" name="Shape 176"/>
+        <p:cNvPr id="177" name="Shape 177"/>
         <p:cNvGrpSpPr/>
         <p:nvPr/>
       </p:nvGrpSpPr>
@@ -21570,7 +21598,7 @@
       </p:grpSpPr>
       <p:sp>
         <p:nvSpPr>
-          <p:cNvPr id="177" name="Google Shape;177;p6"/>
+          <p:cNvPr id="178" name="Google Shape;178;p6"/>
           <p:cNvSpPr txBox="1"/>
           <p:nvPr>
             <p:ph idx="1" type="body"/>
@@ -21804,7 +21832,7 @@
       </p:sp>
       <p:sp>
         <p:nvSpPr>
-          <p:cNvPr id="178" name="Google Shape;178;p6"/>
+          <p:cNvPr id="179" name="Google Shape;179;p6"/>
           <p:cNvSpPr txBox="1"/>
           <p:nvPr>
             <p:ph idx="6" type="body"/>
@@ -21855,7 +21883,7 @@
       </p:sp>
       <p:sp>
         <p:nvSpPr>
-          <p:cNvPr id="179" name="Google Shape;179;p6"/>
+          <p:cNvPr id="180" name="Google Shape;180;p6"/>
           <p:cNvSpPr txBox="1"/>
           <p:nvPr>
             <p:ph type="title"/>
@@ -21907,7 +21935,7 @@
       </p:sp>
       <p:pic>
         <p:nvPicPr>
-          <p:cNvPr id="180" name="Google Shape;180;p6"/>
+          <p:cNvPr id="181" name="Google Shape;181;p6"/>
           <p:cNvPicPr preferRelativeResize="0"/>
           <p:nvPr/>
         </p:nvPicPr>
@@ -21945,7 +21973,7 @@
   <p:cSld>
     <p:spTree>
       <p:nvGrpSpPr>
-        <p:cNvPr id="184" name="Shape 184"/>
+        <p:cNvPr id="185" name="Shape 185"/>
         <p:cNvGrpSpPr/>
         <p:nvPr/>
       </p:nvGrpSpPr>
@@ -21959,7 +21987,7 @@
       </p:grpSpPr>
       <p:sp>
         <p:nvSpPr>
-          <p:cNvPr id="185" name="Google Shape;185;p3"/>
+          <p:cNvPr id="186" name="Google Shape;186;p3"/>
           <p:cNvSpPr txBox="1"/>
           <p:nvPr>
             <p:ph idx="5" type="body"/>
@@ -22007,7 +22035,7 @@
       </p:sp>
       <p:sp>
         <p:nvSpPr>
-          <p:cNvPr id="186" name="Google Shape;186;p3"/>
+          <p:cNvPr id="187" name="Google Shape;187;p3"/>
           <p:cNvSpPr txBox="1"/>
           <p:nvPr>
             <p:ph idx="6" type="body"/>
@@ -22055,7 +22083,7 @@
       </p:sp>
       <p:sp>
         <p:nvSpPr>
-          <p:cNvPr id="187" name="Google Shape;187;p3"/>
+          <p:cNvPr id="188" name="Google Shape;188;p3"/>
           <p:cNvSpPr txBox="1"/>
           <p:nvPr>
             <p:ph type="title"/>
@@ -22102,7 +22130,7 @@
       </p:sp>
       <p:pic>
         <p:nvPicPr>
-          <p:cNvPr id="188" name="Google Shape;188;p3"/>
+          <p:cNvPr id="189" name="Google Shape;189;p3"/>
           <p:cNvPicPr preferRelativeResize="0"/>
           <p:nvPr/>
         </p:nvPicPr>
@@ -22130,7 +22158,7 @@
       </p:pic>
       <p:pic>
         <p:nvPicPr>
-          <p:cNvPr id="189" name="Google Shape;189;p3"/>
+          <p:cNvPr id="190" name="Google Shape;190;p3"/>
           <p:cNvPicPr preferRelativeResize="0"/>
           <p:nvPr/>
         </p:nvPicPr>
@@ -22169,7 +22197,7 @@
   <p:cSld>
     <p:spTree>
       <p:nvGrpSpPr>
-        <p:cNvPr id="193" name="Shape 193"/>
+        <p:cNvPr id="194" name="Shape 194"/>
         <p:cNvGrpSpPr/>
         <p:nvPr/>
       </p:nvGrpSpPr>
@@ -22183,7 +22211,7 @@
       </p:grpSpPr>
       <p:sp>
         <p:nvSpPr>
-          <p:cNvPr id="194" name="Google Shape;194;p5"/>
+          <p:cNvPr id="195" name="Google Shape;195;p5"/>
           <p:cNvSpPr txBox="1"/>
           <p:nvPr>
             <p:ph idx="3" type="body"/>
@@ -22715,7 +22743,7 @@
       </p:sp>
       <p:sp>
         <p:nvSpPr>
-          <p:cNvPr id="195" name="Google Shape;195;p5"/>
+          <p:cNvPr id="196" name="Google Shape;196;p5"/>
           <p:cNvSpPr txBox="1"/>
           <p:nvPr>
             <p:ph type="title"/>
@@ -22767,7 +22795,7 @@
       </p:sp>
       <p:sp>
         <p:nvSpPr>
-          <p:cNvPr id="196" name="Google Shape;196;p5"/>
+          <p:cNvPr id="197" name="Google Shape;197;p5"/>
           <p:cNvSpPr txBox="1"/>
           <p:nvPr>
             <p:ph idx="6" type="body"/>
@@ -22829,7 +22857,7 @@
   <p:cSld>
     <p:spTree>
       <p:nvGrpSpPr>
-        <p:cNvPr id="200" name="Shape 200"/>
+        <p:cNvPr id="201" name="Shape 201"/>
         <p:cNvGrpSpPr/>
         <p:nvPr/>
       </p:nvGrpSpPr>
@@ -22843,7 +22871,7 @@
       </p:grpSpPr>
       <p:sp>
         <p:nvSpPr>
-          <p:cNvPr id="201" name="Google Shape;201;p8"/>
+          <p:cNvPr id="202" name="Google Shape;202;p8"/>
           <p:cNvSpPr txBox="1"/>
           <p:nvPr>
             <p:ph idx="6" type="body"/>
@@ -22894,7 +22922,7 @@
       </p:sp>
       <p:sp>
         <p:nvSpPr>
-          <p:cNvPr id="202" name="Google Shape;202;p8"/>
+          <p:cNvPr id="203" name="Google Shape;203;p8"/>
           <p:cNvSpPr txBox="1"/>
           <p:nvPr>
             <p:ph type="title"/>
@@ -22946,7 +22974,7 @@
       </p:sp>
       <p:sp>
         <p:nvSpPr>
-          <p:cNvPr id="203" name="Google Shape;203;p8"/>
+          <p:cNvPr id="204" name="Google Shape;204;p8"/>
           <p:cNvSpPr txBox="1"/>
           <p:nvPr>
             <p:ph idx="1" type="body"/>
